--- a/LectureNotes/Erratta.pptx
+++ b/LectureNotes/Erratta.pptx
@@ -105,6 +105,11 @@
       </a:defRPr>
     </a:lvl9pPr>
   </p:defaultTextStyle>
+  <p:extLst>
+    <p:ext uri="{EFAFB233-063F-42B5-8137-9DF3F51BA10A}">
+      <p15:sldGuideLst xmlns:p15="http://schemas.microsoft.com/office/powerpoint/2012/main"/>
+    </p:ext>
+  </p:extLst>
 </p:presentation>
 </file>
 
@@ -255,7 +260,7 @@
           <a:p>
             <a:fld id="{7989CBED-E037-484E-9531-6A1ECBEBFB4D}" type="datetimeFigureOut">
               <a:rPr lang="en-US" smtClean="0"/>
-              <a:t>1/11/24</a:t>
+              <a:t>1/15/25</a:t>
             </a:fld>
             <a:endParaRPr lang="en-US"/>
           </a:p>
@@ -453,7 +458,7 @@
           <a:p>
             <a:fld id="{7989CBED-E037-484E-9531-6A1ECBEBFB4D}" type="datetimeFigureOut">
               <a:rPr lang="en-US" smtClean="0"/>
-              <a:t>1/11/24</a:t>
+              <a:t>1/15/25</a:t>
             </a:fld>
             <a:endParaRPr lang="en-US"/>
           </a:p>
@@ -661,7 +666,7 @@
           <a:p>
             <a:fld id="{7989CBED-E037-484E-9531-6A1ECBEBFB4D}" type="datetimeFigureOut">
               <a:rPr lang="en-US" smtClean="0"/>
-              <a:t>1/11/24</a:t>
+              <a:t>1/15/25</a:t>
             </a:fld>
             <a:endParaRPr lang="en-US"/>
           </a:p>
@@ -859,7 +864,7 @@
           <a:p>
             <a:fld id="{7989CBED-E037-484E-9531-6A1ECBEBFB4D}" type="datetimeFigureOut">
               <a:rPr lang="en-US" smtClean="0"/>
-              <a:t>1/11/24</a:t>
+              <a:t>1/15/25</a:t>
             </a:fld>
             <a:endParaRPr lang="en-US"/>
           </a:p>
@@ -1134,7 +1139,7 @@
           <a:p>
             <a:fld id="{7989CBED-E037-484E-9531-6A1ECBEBFB4D}" type="datetimeFigureOut">
               <a:rPr lang="en-US" smtClean="0"/>
-              <a:t>1/11/24</a:t>
+              <a:t>1/15/25</a:t>
             </a:fld>
             <a:endParaRPr lang="en-US"/>
           </a:p>
@@ -1399,7 +1404,7 @@
           <a:p>
             <a:fld id="{7989CBED-E037-484E-9531-6A1ECBEBFB4D}" type="datetimeFigureOut">
               <a:rPr lang="en-US" smtClean="0"/>
-              <a:t>1/11/24</a:t>
+              <a:t>1/15/25</a:t>
             </a:fld>
             <a:endParaRPr lang="en-US"/>
           </a:p>
@@ -1811,7 +1816,7 @@
           <a:p>
             <a:fld id="{7989CBED-E037-484E-9531-6A1ECBEBFB4D}" type="datetimeFigureOut">
               <a:rPr lang="en-US" smtClean="0"/>
-              <a:t>1/11/24</a:t>
+              <a:t>1/15/25</a:t>
             </a:fld>
             <a:endParaRPr lang="en-US"/>
           </a:p>
@@ -1952,7 +1957,7 @@
           <a:p>
             <a:fld id="{7989CBED-E037-484E-9531-6A1ECBEBFB4D}" type="datetimeFigureOut">
               <a:rPr lang="en-US" smtClean="0"/>
-              <a:t>1/11/24</a:t>
+              <a:t>1/15/25</a:t>
             </a:fld>
             <a:endParaRPr lang="en-US"/>
           </a:p>
@@ -2065,7 +2070,7 @@
           <a:p>
             <a:fld id="{7989CBED-E037-484E-9531-6A1ECBEBFB4D}" type="datetimeFigureOut">
               <a:rPr lang="en-US" smtClean="0"/>
-              <a:t>1/11/24</a:t>
+              <a:t>1/15/25</a:t>
             </a:fld>
             <a:endParaRPr lang="en-US"/>
           </a:p>
@@ -2376,7 +2381,7 @@
           <a:p>
             <a:fld id="{7989CBED-E037-484E-9531-6A1ECBEBFB4D}" type="datetimeFigureOut">
               <a:rPr lang="en-US" smtClean="0"/>
-              <a:t>1/11/24</a:t>
+              <a:t>1/15/25</a:t>
             </a:fld>
             <a:endParaRPr lang="en-US"/>
           </a:p>
@@ -2664,7 +2669,7 @@
           <a:p>
             <a:fld id="{7989CBED-E037-484E-9531-6A1ECBEBFB4D}" type="datetimeFigureOut">
               <a:rPr lang="en-US" smtClean="0"/>
-              <a:t>1/11/24</a:t>
+              <a:t>1/15/25</a:t>
             </a:fld>
             <a:endParaRPr lang="en-US"/>
           </a:p>
@@ -2905,7 +2910,7 @@
           <a:p>
             <a:fld id="{7989CBED-E037-484E-9531-6A1ECBEBFB4D}" type="datetimeFigureOut">
               <a:rPr lang="en-US" smtClean="0"/>
-              <a:t>1/11/24</a:t>
+              <a:t>1/15/25</a:t>
             </a:fld>
             <a:endParaRPr lang="en-US"/>
           </a:p>
@@ -3453,10 +3458,17 @@
           <a:p>
             <a:r>
               <a:rPr lang="en-US" dirty="0"/>
-              <a:t>Buddhism does not have a creation myth</a:t>
-            </a:r>
-          </a:p>
-          <a:p>
+              <a:t>The WebAssign class code is evidently NOT in </a:t>
+            </a:r>
+            <a:r>
+              <a:rPr lang="en-US"/>
+              <a:t>the syllabus!</a:t>
+            </a:r>
+          </a:p>
+          <a:p>
+            <a:pPr marL="0" indent="0">
+              <a:buNone/>
+            </a:pPr>
             <a:endParaRPr lang="en-US" dirty="0"/>
           </a:p>
           <a:p>
